--- a/아이디어.pptx
+++ b/아이디어.pptx
@@ -259,7 +259,7 @@
           <a:p>
             <a:fld id="{5C026953-134E-44C4-8A9C-30A939654550}" type="datetimeFigureOut">
               <a:rPr lang="ko-KR" altLang="en-US" smtClean="0"/>
-              <a:t>2024-03-26</a:t>
+              <a:t>2024-03-27</a:t>
             </a:fld>
             <a:endParaRPr lang="ko-KR" altLang="en-US"/>
           </a:p>
@@ -457,7 +457,7 @@
           <a:p>
             <a:fld id="{5C026953-134E-44C4-8A9C-30A939654550}" type="datetimeFigureOut">
               <a:rPr lang="ko-KR" altLang="en-US" smtClean="0"/>
-              <a:t>2024-03-26</a:t>
+              <a:t>2024-03-27</a:t>
             </a:fld>
             <a:endParaRPr lang="ko-KR" altLang="en-US"/>
           </a:p>
@@ -665,7 +665,7 @@
           <a:p>
             <a:fld id="{5C026953-134E-44C4-8A9C-30A939654550}" type="datetimeFigureOut">
               <a:rPr lang="ko-KR" altLang="en-US" smtClean="0"/>
-              <a:t>2024-03-26</a:t>
+              <a:t>2024-03-27</a:t>
             </a:fld>
             <a:endParaRPr lang="ko-KR" altLang="en-US"/>
           </a:p>
@@ -863,7 +863,7 @@
           <a:p>
             <a:fld id="{5C026953-134E-44C4-8A9C-30A939654550}" type="datetimeFigureOut">
               <a:rPr lang="ko-KR" altLang="en-US" smtClean="0"/>
-              <a:t>2024-03-26</a:t>
+              <a:t>2024-03-27</a:t>
             </a:fld>
             <a:endParaRPr lang="ko-KR" altLang="en-US"/>
           </a:p>
@@ -1138,7 +1138,7 @@
           <a:p>
             <a:fld id="{5C026953-134E-44C4-8A9C-30A939654550}" type="datetimeFigureOut">
               <a:rPr lang="ko-KR" altLang="en-US" smtClean="0"/>
-              <a:t>2024-03-26</a:t>
+              <a:t>2024-03-27</a:t>
             </a:fld>
             <a:endParaRPr lang="ko-KR" altLang="en-US"/>
           </a:p>
@@ -1403,7 +1403,7 @@
           <a:p>
             <a:fld id="{5C026953-134E-44C4-8A9C-30A939654550}" type="datetimeFigureOut">
               <a:rPr lang="ko-KR" altLang="en-US" smtClean="0"/>
-              <a:t>2024-03-26</a:t>
+              <a:t>2024-03-27</a:t>
             </a:fld>
             <a:endParaRPr lang="ko-KR" altLang="en-US"/>
           </a:p>
@@ -1815,7 +1815,7 @@
           <a:p>
             <a:fld id="{5C026953-134E-44C4-8A9C-30A939654550}" type="datetimeFigureOut">
               <a:rPr lang="ko-KR" altLang="en-US" smtClean="0"/>
-              <a:t>2024-03-26</a:t>
+              <a:t>2024-03-27</a:t>
             </a:fld>
             <a:endParaRPr lang="ko-KR" altLang="en-US"/>
           </a:p>
@@ -1956,7 +1956,7 @@
           <a:p>
             <a:fld id="{5C026953-134E-44C4-8A9C-30A939654550}" type="datetimeFigureOut">
               <a:rPr lang="ko-KR" altLang="en-US" smtClean="0"/>
-              <a:t>2024-03-26</a:t>
+              <a:t>2024-03-27</a:t>
             </a:fld>
             <a:endParaRPr lang="ko-KR" altLang="en-US"/>
           </a:p>
@@ -2069,7 +2069,7 @@
           <a:p>
             <a:fld id="{5C026953-134E-44C4-8A9C-30A939654550}" type="datetimeFigureOut">
               <a:rPr lang="ko-KR" altLang="en-US" smtClean="0"/>
-              <a:t>2024-03-26</a:t>
+              <a:t>2024-03-27</a:t>
             </a:fld>
             <a:endParaRPr lang="ko-KR" altLang="en-US"/>
           </a:p>
@@ -2380,7 +2380,7 @@
           <a:p>
             <a:fld id="{5C026953-134E-44C4-8A9C-30A939654550}" type="datetimeFigureOut">
               <a:rPr lang="ko-KR" altLang="en-US" smtClean="0"/>
-              <a:t>2024-03-26</a:t>
+              <a:t>2024-03-27</a:t>
             </a:fld>
             <a:endParaRPr lang="ko-KR" altLang="en-US"/>
           </a:p>
@@ -2668,7 +2668,7 @@
           <a:p>
             <a:fld id="{5C026953-134E-44C4-8A9C-30A939654550}" type="datetimeFigureOut">
               <a:rPr lang="ko-KR" altLang="en-US" smtClean="0"/>
-              <a:t>2024-03-26</a:t>
+              <a:t>2024-03-27</a:t>
             </a:fld>
             <a:endParaRPr lang="ko-KR" altLang="en-US"/>
           </a:p>
@@ -2909,7 +2909,7 @@
           <a:p>
             <a:fld id="{5C026953-134E-44C4-8A9C-30A939654550}" type="datetimeFigureOut">
               <a:rPr lang="ko-KR" altLang="en-US" smtClean="0"/>
-              <a:t>2024-03-26</a:t>
+              <a:t>2024-03-27</a:t>
             </a:fld>
             <a:endParaRPr lang="ko-KR" altLang="en-US"/>
           </a:p>

--- a/아이디어.pptx
+++ b/아이디어.pptx
@@ -6,6 +6,7 @@
   </p:sldMasterIdLst>
   <p:sldIdLst>
     <p:sldId id="266" r:id="rId2"/>
+    <p:sldId id="267" r:id="rId3"/>
   </p:sldIdLst>
   <p:sldSz cx="12192000" cy="6858000"/>
   <p:notesSz cx="6858000" cy="9144000"/>
@@ -259,7 +260,7 @@
           <a:p>
             <a:fld id="{5C026953-134E-44C4-8A9C-30A939654550}" type="datetimeFigureOut">
               <a:rPr lang="ko-KR" altLang="en-US" smtClean="0"/>
-              <a:t>2024-03-27</a:t>
+              <a:t>2024-04-27</a:t>
             </a:fld>
             <a:endParaRPr lang="ko-KR" altLang="en-US"/>
           </a:p>
@@ -457,7 +458,7 @@
           <a:p>
             <a:fld id="{5C026953-134E-44C4-8A9C-30A939654550}" type="datetimeFigureOut">
               <a:rPr lang="ko-KR" altLang="en-US" smtClean="0"/>
-              <a:t>2024-03-27</a:t>
+              <a:t>2024-04-27</a:t>
             </a:fld>
             <a:endParaRPr lang="ko-KR" altLang="en-US"/>
           </a:p>
@@ -665,7 +666,7 @@
           <a:p>
             <a:fld id="{5C026953-134E-44C4-8A9C-30A939654550}" type="datetimeFigureOut">
               <a:rPr lang="ko-KR" altLang="en-US" smtClean="0"/>
-              <a:t>2024-03-27</a:t>
+              <a:t>2024-04-27</a:t>
             </a:fld>
             <a:endParaRPr lang="ko-KR" altLang="en-US"/>
           </a:p>
@@ -863,7 +864,7 @@
           <a:p>
             <a:fld id="{5C026953-134E-44C4-8A9C-30A939654550}" type="datetimeFigureOut">
               <a:rPr lang="ko-KR" altLang="en-US" smtClean="0"/>
-              <a:t>2024-03-27</a:t>
+              <a:t>2024-04-27</a:t>
             </a:fld>
             <a:endParaRPr lang="ko-KR" altLang="en-US"/>
           </a:p>
@@ -1138,7 +1139,7 @@
           <a:p>
             <a:fld id="{5C026953-134E-44C4-8A9C-30A939654550}" type="datetimeFigureOut">
               <a:rPr lang="ko-KR" altLang="en-US" smtClean="0"/>
-              <a:t>2024-03-27</a:t>
+              <a:t>2024-04-27</a:t>
             </a:fld>
             <a:endParaRPr lang="ko-KR" altLang="en-US"/>
           </a:p>
@@ -1403,7 +1404,7 @@
           <a:p>
             <a:fld id="{5C026953-134E-44C4-8A9C-30A939654550}" type="datetimeFigureOut">
               <a:rPr lang="ko-KR" altLang="en-US" smtClean="0"/>
-              <a:t>2024-03-27</a:t>
+              <a:t>2024-04-27</a:t>
             </a:fld>
             <a:endParaRPr lang="ko-KR" altLang="en-US"/>
           </a:p>
@@ -1815,7 +1816,7 @@
           <a:p>
             <a:fld id="{5C026953-134E-44C4-8A9C-30A939654550}" type="datetimeFigureOut">
               <a:rPr lang="ko-KR" altLang="en-US" smtClean="0"/>
-              <a:t>2024-03-27</a:t>
+              <a:t>2024-04-27</a:t>
             </a:fld>
             <a:endParaRPr lang="ko-KR" altLang="en-US"/>
           </a:p>
@@ -1956,7 +1957,7 @@
           <a:p>
             <a:fld id="{5C026953-134E-44C4-8A9C-30A939654550}" type="datetimeFigureOut">
               <a:rPr lang="ko-KR" altLang="en-US" smtClean="0"/>
-              <a:t>2024-03-27</a:t>
+              <a:t>2024-04-27</a:t>
             </a:fld>
             <a:endParaRPr lang="ko-KR" altLang="en-US"/>
           </a:p>
@@ -2069,7 +2070,7 @@
           <a:p>
             <a:fld id="{5C026953-134E-44C4-8A9C-30A939654550}" type="datetimeFigureOut">
               <a:rPr lang="ko-KR" altLang="en-US" smtClean="0"/>
-              <a:t>2024-03-27</a:t>
+              <a:t>2024-04-27</a:t>
             </a:fld>
             <a:endParaRPr lang="ko-KR" altLang="en-US"/>
           </a:p>
@@ -2380,7 +2381,7 @@
           <a:p>
             <a:fld id="{5C026953-134E-44C4-8A9C-30A939654550}" type="datetimeFigureOut">
               <a:rPr lang="ko-KR" altLang="en-US" smtClean="0"/>
-              <a:t>2024-03-27</a:t>
+              <a:t>2024-04-27</a:t>
             </a:fld>
             <a:endParaRPr lang="ko-KR" altLang="en-US"/>
           </a:p>
@@ -2668,7 +2669,7 @@
           <a:p>
             <a:fld id="{5C026953-134E-44C4-8A9C-30A939654550}" type="datetimeFigureOut">
               <a:rPr lang="ko-KR" altLang="en-US" smtClean="0"/>
-              <a:t>2024-03-27</a:t>
+              <a:t>2024-04-27</a:t>
             </a:fld>
             <a:endParaRPr lang="ko-KR" altLang="en-US"/>
           </a:p>
@@ -2909,7 +2910,7 @@
           <a:p>
             <a:fld id="{5C026953-134E-44C4-8A9C-30A939654550}" type="datetimeFigureOut">
               <a:rPr lang="ko-KR" altLang="en-US" smtClean="0"/>
-              <a:t>2024-03-27</a:t>
+              <a:t>2024-04-27</a:t>
             </a:fld>
             <a:endParaRPr lang="ko-KR" altLang="en-US"/>
           </a:p>
@@ -3376,7 +3377,7 @@
         <p:spPr>
           <a:xfrm>
             <a:off x="487913" y="1003973"/>
-            <a:ext cx="11319388" cy="2862322"/>
+            <a:ext cx="11319388" cy="4247317"/>
           </a:xfrm>
           <a:prstGeom prst="rect">
             <a:avLst/>
@@ -3433,16 +3434,129 @@
             </a:r>
             <a:r>
               <a:rPr lang="ko-KR" altLang="en-US" dirty="0"/>
-              <a:t>후자의 경우엔 서버에 있는 수치들을 종합하여 다른 유저의 선택에 </a:t>
-            </a:r>
-            <a:r>
-              <a:rPr lang="ko-KR" altLang="en-US"/>
-              <a:t>따른 팁들을 줄 </a:t>
-            </a:r>
+              <a:t>후자의 경우엔 서버에 있는 수치들을 종합하여 다른 유저의 선택에 따른 팁들을 줄 수 있게 하는 것이 목표</a:t>
+            </a:r>
+            <a:endParaRPr lang="en-US" altLang="ko-KR" dirty="0"/>
+          </a:p>
+          <a:p>
+            <a:pPr marL="285750" indent="-285750">
+              <a:buFontTx/>
+              <a:buChar char="-"/>
+            </a:pPr>
             <a:r>
               <a:rPr lang="ko-KR" altLang="en-US" dirty="0"/>
-              <a:t>수 있게 하는 것이 목표</a:t>
-            </a:r>
+              <a:t>저장 파일을 </a:t>
+            </a:r>
+            <a:r>
+              <a:rPr lang="en-US" altLang="ko-KR" dirty="0"/>
+              <a:t>3</a:t>
+            </a:r>
+            <a:r>
+              <a:rPr lang="ko-KR" altLang="en-US" dirty="0"/>
+              <a:t>개정도 마련해서 진행상황을 바꿔가며 할 수 있도록</a:t>
+            </a:r>
+            <a:r>
+              <a:rPr lang="en-US" altLang="ko-KR" dirty="0"/>
+              <a:t>. </a:t>
+            </a:r>
+            <a:r>
+              <a:rPr lang="ko-KR" altLang="en-US" dirty="0"/>
+              <a:t>무슨 의미가 있냐</a:t>
+            </a:r>
+            <a:r>
+              <a:rPr lang="en-US" altLang="ko-KR" dirty="0"/>
+              <a:t>? </a:t>
+            </a:r>
+            <a:r>
+              <a:rPr lang="ko-KR" altLang="en-US" dirty="0" err="1"/>
+              <a:t>킵</a:t>
+            </a:r>
+            <a:r>
+              <a:rPr lang="ko-KR" altLang="en-US" dirty="0"/>
+              <a:t> 해두고 싶은 기록이 생기면 세이브 해두고</a:t>
+            </a:r>
+            <a:r>
+              <a:rPr lang="en-US" altLang="ko-KR" dirty="0"/>
+              <a:t>, </a:t>
+            </a:r>
+            <a:r>
+              <a:rPr lang="ko-KR" altLang="en-US" dirty="0"/>
+              <a:t>다른 파일에서 새로운 </a:t>
+            </a:r>
+            <a:r>
+              <a:rPr lang="ko-KR" altLang="en-US" dirty="0" err="1"/>
+              <a:t>아이템등을</a:t>
+            </a:r>
+            <a:r>
+              <a:rPr lang="ko-KR" altLang="en-US" dirty="0"/>
+              <a:t> </a:t>
+            </a:r>
+            <a:r>
+              <a:rPr lang="ko-KR" altLang="en-US" dirty="0" err="1"/>
+              <a:t>언락하고</a:t>
+            </a:r>
+            <a:r>
+              <a:rPr lang="ko-KR" altLang="en-US" dirty="0"/>
+              <a:t> 다시 이어하기 </a:t>
+            </a:r>
+            <a:r>
+              <a:rPr lang="en-US" altLang="ko-KR" dirty="0"/>
+              <a:t>or </a:t>
+            </a:r>
+            <a:r>
+              <a:rPr lang="ko-KR" altLang="en-US" dirty="0"/>
+              <a:t>다른 </a:t>
+            </a:r>
+            <a:r>
+              <a:rPr lang="ko-KR" altLang="en-US" dirty="0" err="1"/>
+              <a:t>런에서</a:t>
+            </a:r>
+            <a:r>
+              <a:rPr lang="ko-KR" altLang="en-US" dirty="0"/>
+              <a:t> 영향을 줄 수 있는 아이템 등을 만들기</a:t>
+            </a:r>
+            <a:r>
+              <a:rPr lang="en-US" altLang="ko-KR" dirty="0"/>
+              <a:t>? </a:t>
+            </a:r>
+            <a:r>
+              <a:rPr lang="ko-KR" altLang="en-US" dirty="0"/>
+              <a:t>아니면 </a:t>
+            </a:r>
+            <a:r>
+              <a:rPr lang="ko-KR" altLang="en-US" dirty="0" err="1"/>
+              <a:t>쯔꾸르</a:t>
+            </a:r>
+            <a:r>
+              <a:rPr lang="ko-KR" altLang="en-US" dirty="0"/>
+              <a:t> 게임처럼 아예 세이브 로드를 원하는 시점에서 가능하게 </a:t>
+            </a:r>
+            <a:r>
+              <a:rPr lang="ko-KR" altLang="en-US" dirty="0" err="1"/>
+              <a:t>한다던가</a:t>
+            </a:r>
+            <a:r>
+              <a:rPr lang="en-US" altLang="ko-KR" dirty="0"/>
+              <a:t>(</a:t>
+            </a:r>
+            <a:r>
+              <a:rPr lang="ko-KR" altLang="en-US" dirty="0"/>
+              <a:t>이걸 아이템으로 만들어버린다면</a:t>
+            </a:r>
+            <a:r>
+              <a:rPr lang="en-US" altLang="ko-KR" dirty="0"/>
+              <a:t>??? </a:t>
+            </a:r>
+            <a:r>
+              <a:rPr lang="ko-KR" altLang="en-US"/>
+              <a:t>개쩐다</a:t>
+            </a:r>
+            <a:r>
+              <a:rPr lang="en-US" altLang="ko-KR"/>
+              <a:t>)</a:t>
+            </a:r>
+          </a:p>
+          <a:p>
             <a:endParaRPr lang="en-US" altLang="ko-KR" dirty="0"/>
           </a:p>
           <a:p>
@@ -3489,6 +3603,237 @@
     <p:extLst>
       <p:ext uri="{BB962C8B-B14F-4D97-AF65-F5344CB8AC3E}">
         <p14:creationId xmlns:p14="http://schemas.microsoft.com/office/powerpoint/2010/main" val="1062390423"/>
+      </p:ext>
+    </p:extLst>
+  </p:cSld>
+  <p:clrMapOvr>
+    <a:masterClrMapping/>
+  </p:clrMapOvr>
+</p:sld>
+</file>
+
+<file path=ppt/slides/slide2.xml><?xml version="1.0" encoding="utf-8"?>
+<p:sld xmlns:a="http://schemas.openxmlformats.org/drawingml/2006/main" xmlns:r="http://schemas.openxmlformats.org/officeDocument/2006/relationships" xmlns:p="http://schemas.openxmlformats.org/presentationml/2006/main">
+  <p:cSld>
+    <p:spTree>
+      <p:nvGrpSpPr>
+        <p:cNvPr id="1" name=""/>
+        <p:cNvGrpSpPr/>
+        <p:nvPr/>
+      </p:nvGrpSpPr>
+      <p:grpSpPr>
+        <a:xfrm>
+          <a:off x="0" y="0"/>
+          <a:ext cx="0" cy="0"/>
+          <a:chOff x="0" y="0"/>
+          <a:chExt cx="0" cy="0"/>
+        </a:xfrm>
+      </p:grpSpPr>
+      <p:sp>
+        <p:nvSpPr>
+          <p:cNvPr id="9" name="TextBox 8">
+            <a:extLst>
+              <a:ext uri="{FF2B5EF4-FFF2-40B4-BE49-F238E27FC236}">
+                <a16:creationId xmlns:a16="http://schemas.microsoft.com/office/drawing/2014/main" id="{7C3AEEB5-635B-CC9E-A34E-9221454EB919}"/>
+              </a:ext>
+            </a:extLst>
+          </p:cNvPr>
+          <p:cNvSpPr txBox="1"/>
+          <p:nvPr/>
+        </p:nvSpPr>
+        <p:spPr>
+          <a:xfrm>
+            <a:off x="574431" y="439615"/>
+            <a:ext cx="1189749" cy="369332"/>
+          </a:xfrm>
+          <a:prstGeom prst="rect">
+            <a:avLst/>
+          </a:prstGeom>
+          <a:noFill/>
+        </p:spPr>
+        <p:txBody>
+          <a:bodyPr wrap="none" rtlCol="0">
+            <a:spAutoFit/>
+          </a:bodyPr>
+          <a:lstStyle/>
+          <a:p>
+            <a:r>
+              <a:rPr lang="ko-KR" altLang="en-US" dirty="0"/>
+              <a:t>다른 게임</a:t>
+            </a:r>
+          </a:p>
+        </p:txBody>
+      </p:sp>
+      <p:sp>
+        <p:nvSpPr>
+          <p:cNvPr id="11" name="TextBox 10">
+            <a:extLst>
+              <a:ext uri="{FF2B5EF4-FFF2-40B4-BE49-F238E27FC236}">
+                <a16:creationId xmlns:a16="http://schemas.microsoft.com/office/drawing/2014/main" id="{BE1D231D-2F7F-F83F-96CF-2CDE57F99C49}"/>
+              </a:ext>
+            </a:extLst>
+          </p:cNvPr>
+          <p:cNvSpPr txBox="1"/>
+          <p:nvPr/>
+        </p:nvSpPr>
+        <p:spPr>
+          <a:xfrm>
+            <a:off x="487913" y="1003973"/>
+            <a:ext cx="11319388" cy="3139321"/>
+          </a:xfrm>
+          <a:prstGeom prst="rect">
+            <a:avLst/>
+          </a:prstGeom>
+          <a:noFill/>
+        </p:spPr>
+        <p:txBody>
+          <a:bodyPr wrap="square" rtlCol="0">
+            <a:spAutoFit/>
+          </a:bodyPr>
+          <a:lstStyle/>
+          <a:p>
+            <a:r>
+              <a:rPr lang="en-US" altLang="ko-KR" dirty="0"/>
+              <a:t>- </a:t>
+            </a:r>
+            <a:r>
+              <a:rPr lang="ko-KR" altLang="en-US" dirty="0" err="1"/>
+              <a:t>언리얼</a:t>
+            </a:r>
+            <a:r>
+              <a:rPr lang="ko-KR" altLang="en-US" dirty="0"/>
+              <a:t> 엔진 기반</a:t>
+            </a:r>
+            <a:r>
+              <a:rPr lang="en-US" altLang="ko-KR" dirty="0"/>
+              <a:t>. </a:t>
+            </a:r>
+            <a:r>
+              <a:rPr lang="ko-KR" altLang="en-US" dirty="0"/>
+              <a:t>어린아이 두 명 뿐인 집에 강도가 들어 하룻밤</a:t>
+            </a:r>
+            <a:r>
+              <a:rPr lang="en-US" altLang="ko-KR" dirty="0"/>
+              <a:t> </a:t>
+            </a:r>
+            <a:r>
+              <a:rPr lang="ko-KR" altLang="en-US" dirty="0"/>
+              <a:t>동안 진행되는 잠입 탈출 시뮬레이션</a:t>
+            </a:r>
+            <a:r>
+              <a:rPr lang="en-US" altLang="ko-KR" dirty="0"/>
+              <a:t>. </a:t>
+            </a:r>
+            <a:r>
+              <a:rPr lang="ko-KR" altLang="en-US" dirty="0"/>
+              <a:t>여러 엔딩이 존재하며</a:t>
+            </a:r>
+            <a:r>
+              <a:rPr lang="en-US" altLang="ko-KR" dirty="0"/>
+              <a:t>, </a:t>
+            </a:r>
+            <a:r>
+              <a:rPr lang="ko-KR" altLang="en-US" dirty="0"/>
+              <a:t>어린아이의 상상력이 들어가야 한다</a:t>
+            </a:r>
+            <a:r>
+              <a:rPr lang="en-US" altLang="ko-KR" dirty="0"/>
+              <a:t>. Ex. </a:t>
+            </a:r>
+            <a:r>
+              <a:rPr lang="ko-KR" altLang="en-US" dirty="0"/>
+              <a:t>섣부르게 집에서 나가려 한다면 강도에게 총을 맞아 죽게 되는데</a:t>
+            </a:r>
+            <a:r>
+              <a:rPr lang="en-US" altLang="ko-KR" dirty="0"/>
+              <a:t>, </a:t>
+            </a:r>
+            <a:r>
+              <a:rPr lang="ko-KR" altLang="en-US" dirty="0"/>
+              <a:t>어린아이의 시점으로 진행되기 때문에 갑자기 번개에 맞아서 죽는 것처럼 </a:t>
+            </a:r>
+            <a:r>
+              <a:rPr lang="ko-KR" altLang="en-US" dirty="0" err="1"/>
+              <a:t>나온다거나</a:t>
+            </a:r>
+            <a:r>
+              <a:rPr lang="en-US" altLang="ko-KR" dirty="0"/>
+              <a:t>. 3~4</a:t>
+            </a:r>
+            <a:r>
+              <a:rPr lang="ko-KR" altLang="en-US" dirty="0"/>
+              <a:t>살 정도의 </a:t>
+            </a:r>
+            <a:r>
+              <a:rPr lang="ko-KR" altLang="en-US" dirty="0" err="1"/>
+              <a:t>아이기</a:t>
+            </a:r>
+            <a:r>
+              <a:rPr lang="ko-KR" altLang="en-US" dirty="0"/>
+              <a:t> 때문에 쌍둥이 아이의 말만 이해할 수 있고</a:t>
+            </a:r>
+            <a:r>
+              <a:rPr lang="en-US" altLang="ko-KR" dirty="0"/>
+              <a:t>, </a:t>
+            </a:r>
+            <a:r>
+              <a:rPr lang="ko-KR" altLang="en-US" dirty="0"/>
+              <a:t>강도들의 말은 이해하지 못함</a:t>
+            </a:r>
+            <a:r>
+              <a:rPr lang="en-US" altLang="ko-KR" dirty="0"/>
+              <a:t>. </a:t>
+            </a:r>
+            <a:r>
+              <a:rPr lang="ko-KR" altLang="en-US" dirty="0"/>
+              <a:t>말풍선이 흐리게 나옴 등</a:t>
+            </a:r>
+            <a:endParaRPr lang="en-US" altLang="ko-KR" dirty="0"/>
+          </a:p>
+          <a:p>
+            <a:pPr marL="285750" indent="-285750">
+              <a:buFontTx/>
+              <a:buChar char="-"/>
+            </a:pPr>
+            <a:endParaRPr lang="en-US" altLang="ko-KR" dirty="0"/>
+          </a:p>
+          <a:p>
+            <a:pPr marL="285750" indent="-285750">
+              <a:buFontTx/>
+              <a:buChar char="-"/>
+            </a:pPr>
+            <a:endParaRPr lang="en-US" altLang="ko-KR" dirty="0"/>
+          </a:p>
+          <a:p>
+            <a:pPr marL="285750" indent="-285750">
+              <a:buFontTx/>
+              <a:buChar char="-"/>
+            </a:pPr>
+            <a:endParaRPr lang="en-US" altLang="ko-KR" dirty="0"/>
+          </a:p>
+          <a:p>
+            <a:pPr marL="285750" indent="-285750">
+              <a:buFontTx/>
+              <a:buChar char="-"/>
+            </a:pPr>
+            <a:endParaRPr lang="en-US" altLang="ko-KR" dirty="0"/>
+          </a:p>
+          <a:p>
+            <a:pPr marL="285750" indent="-285750">
+              <a:buFontTx/>
+              <a:buChar char="-"/>
+            </a:pPr>
+            <a:endParaRPr lang="en-US" altLang="ko-KR" dirty="0"/>
+          </a:p>
+          <a:p>
+            <a:endParaRPr lang="en-US" altLang="ko-KR" dirty="0"/>
+          </a:p>
+        </p:txBody>
+      </p:sp>
+    </p:spTree>
+    <p:extLst>
+      <p:ext uri="{BB962C8B-B14F-4D97-AF65-F5344CB8AC3E}">
+        <p14:creationId xmlns:p14="http://schemas.microsoft.com/office/powerpoint/2010/main" val="3351207918"/>
       </p:ext>
     </p:extLst>
   </p:cSld>

--- a/아이디어.pptx
+++ b/아이디어.pptx
@@ -260,7 +260,7 @@
           <a:p>
             <a:fld id="{5C026953-134E-44C4-8A9C-30A939654550}" type="datetimeFigureOut">
               <a:rPr lang="ko-KR" altLang="en-US" smtClean="0"/>
-              <a:t>2024-04-27</a:t>
+              <a:t>2024-07-06</a:t>
             </a:fld>
             <a:endParaRPr lang="ko-KR" altLang="en-US"/>
           </a:p>
@@ -458,7 +458,7 @@
           <a:p>
             <a:fld id="{5C026953-134E-44C4-8A9C-30A939654550}" type="datetimeFigureOut">
               <a:rPr lang="ko-KR" altLang="en-US" smtClean="0"/>
-              <a:t>2024-04-27</a:t>
+              <a:t>2024-07-06</a:t>
             </a:fld>
             <a:endParaRPr lang="ko-KR" altLang="en-US"/>
           </a:p>
@@ -666,7 +666,7 @@
           <a:p>
             <a:fld id="{5C026953-134E-44C4-8A9C-30A939654550}" type="datetimeFigureOut">
               <a:rPr lang="ko-KR" altLang="en-US" smtClean="0"/>
-              <a:t>2024-04-27</a:t>
+              <a:t>2024-07-06</a:t>
             </a:fld>
             <a:endParaRPr lang="ko-KR" altLang="en-US"/>
           </a:p>
@@ -864,7 +864,7 @@
           <a:p>
             <a:fld id="{5C026953-134E-44C4-8A9C-30A939654550}" type="datetimeFigureOut">
               <a:rPr lang="ko-KR" altLang="en-US" smtClean="0"/>
-              <a:t>2024-04-27</a:t>
+              <a:t>2024-07-06</a:t>
             </a:fld>
             <a:endParaRPr lang="ko-KR" altLang="en-US"/>
           </a:p>
@@ -1139,7 +1139,7 @@
           <a:p>
             <a:fld id="{5C026953-134E-44C4-8A9C-30A939654550}" type="datetimeFigureOut">
               <a:rPr lang="ko-KR" altLang="en-US" smtClean="0"/>
-              <a:t>2024-04-27</a:t>
+              <a:t>2024-07-06</a:t>
             </a:fld>
             <a:endParaRPr lang="ko-KR" altLang="en-US"/>
           </a:p>
@@ -1404,7 +1404,7 @@
           <a:p>
             <a:fld id="{5C026953-134E-44C4-8A9C-30A939654550}" type="datetimeFigureOut">
               <a:rPr lang="ko-KR" altLang="en-US" smtClean="0"/>
-              <a:t>2024-04-27</a:t>
+              <a:t>2024-07-06</a:t>
             </a:fld>
             <a:endParaRPr lang="ko-KR" altLang="en-US"/>
           </a:p>
@@ -1816,7 +1816,7 @@
           <a:p>
             <a:fld id="{5C026953-134E-44C4-8A9C-30A939654550}" type="datetimeFigureOut">
               <a:rPr lang="ko-KR" altLang="en-US" smtClean="0"/>
-              <a:t>2024-04-27</a:t>
+              <a:t>2024-07-06</a:t>
             </a:fld>
             <a:endParaRPr lang="ko-KR" altLang="en-US"/>
           </a:p>
@@ -1957,7 +1957,7 @@
           <a:p>
             <a:fld id="{5C026953-134E-44C4-8A9C-30A939654550}" type="datetimeFigureOut">
               <a:rPr lang="ko-KR" altLang="en-US" smtClean="0"/>
-              <a:t>2024-04-27</a:t>
+              <a:t>2024-07-06</a:t>
             </a:fld>
             <a:endParaRPr lang="ko-KR" altLang="en-US"/>
           </a:p>
@@ -2070,7 +2070,7 @@
           <a:p>
             <a:fld id="{5C026953-134E-44C4-8A9C-30A939654550}" type="datetimeFigureOut">
               <a:rPr lang="ko-KR" altLang="en-US" smtClean="0"/>
-              <a:t>2024-04-27</a:t>
+              <a:t>2024-07-06</a:t>
             </a:fld>
             <a:endParaRPr lang="ko-KR" altLang="en-US"/>
           </a:p>
@@ -2381,7 +2381,7 @@
           <a:p>
             <a:fld id="{5C026953-134E-44C4-8A9C-30A939654550}" type="datetimeFigureOut">
               <a:rPr lang="ko-KR" altLang="en-US" smtClean="0"/>
-              <a:t>2024-04-27</a:t>
+              <a:t>2024-07-06</a:t>
             </a:fld>
             <a:endParaRPr lang="ko-KR" altLang="en-US"/>
           </a:p>
@@ -2669,7 +2669,7 @@
           <a:p>
             <a:fld id="{5C026953-134E-44C4-8A9C-30A939654550}" type="datetimeFigureOut">
               <a:rPr lang="ko-KR" altLang="en-US" smtClean="0"/>
-              <a:t>2024-04-27</a:t>
+              <a:t>2024-07-06</a:t>
             </a:fld>
             <a:endParaRPr lang="ko-KR" altLang="en-US"/>
           </a:p>
@@ -2910,7 +2910,7 @@
           <a:p>
             <a:fld id="{5C026953-134E-44C4-8A9C-30A939654550}" type="datetimeFigureOut">
               <a:rPr lang="ko-KR" altLang="en-US" smtClean="0"/>
-              <a:t>2024-04-27</a:t>
+              <a:t>2024-07-06</a:t>
             </a:fld>
             <a:endParaRPr lang="ko-KR" altLang="en-US"/>
           </a:p>
@@ -3548,15 +3548,55 @@
               <a:t>??? </a:t>
             </a:r>
             <a:r>
-              <a:rPr lang="ko-KR" altLang="en-US"/>
+              <a:rPr lang="ko-KR" altLang="en-US" dirty="0" err="1"/>
               <a:t>개쩐다</a:t>
             </a:r>
             <a:r>
+              <a:rPr lang="en-US" altLang="ko-KR" dirty="0"/>
+              <a:t>)</a:t>
+            </a:r>
+          </a:p>
+          <a:p>
+            <a:r>
+              <a:rPr lang="en-US" altLang="ko-KR" dirty="0"/>
+              <a:t>-  </a:t>
+            </a:r>
+            <a:r>
+              <a:rPr lang="ko-KR" altLang="en-US" dirty="0"/>
+              <a:t>동료에겐 </a:t>
+            </a:r>
+            <a:r>
+              <a:rPr lang="en-US" altLang="ko-KR" dirty="0"/>
+              <a:t>affection</a:t>
+            </a:r>
+            <a:r>
+              <a:rPr lang="ko-KR" altLang="en-US" dirty="0"/>
+              <a:t>을 넣어서 이걸로 관련 </a:t>
+            </a:r>
+            <a:r>
+              <a:rPr lang="ko-KR" altLang="en-US" dirty="0" err="1"/>
+              <a:t>뭐시기를</a:t>
+            </a:r>
+            <a:r>
+              <a:rPr lang="ko-KR" altLang="en-US" dirty="0"/>
+              <a:t> </a:t>
+            </a:r>
+            <a:r>
+              <a:rPr lang="ko-KR" altLang="en-US" dirty="0" err="1"/>
+              <a:t>만들어놔도</a:t>
+            </a:r>
+            <a:r>
+              <a:rPr lang="ko-KR" altLang="en-US" dirty="0"/>
+              <a:t> </a:t>
+            </a:r>
+            <a:r>
+              <a:rPr lang="ko-KR" altLang="en-US" dirty="0" err="1"/>
+              <a:t>좋을듯</a:t>
+            </a:r>
+            <a:r>
               <a:rPr lang="en-US" altLang="ko-KR"/>
-              <a:t>)</a:t>
-            </a:r>
-          </a:p>
-          <a:p>
+              <a:t>.</a:t>
+            </a:r>
             <a:endParaRPr lang="en-US" altLang="ko-KR" dirty="0"/>
           </a:p>
           <a:p>
